--- a/artwork/Dynamic-logo.pptx
+++ b/artwork/Dynamic-logo.pptx
@@ -5,7 +5,10 @@
     <p:sldMasterId id="2147483648" r:id="rId1"/>
   </p:sldMasterIdLst>
   <p:sldIdLst>
-    <p:sldId id="256" r:id="rId2"/>
+    <p:sldId id="259" r:id="rId2"/>
+    <p:sldId id="256" r:id="rId3"/>
+    <p:sldId id="257" r:id="rId4"/>
+    <p:sldId id="258" r:id="rId5"/>
   </p:sldIdLst>
   <p:sldSz cx="12192000" cy="6858000"/>
   <p:notesSz cx="6858000" cy="9144000"/>
@@ -104,6 +107,11 @@
       </a:defRPr>
     </a:lvl9pPr>
   </p:defaultTextStyle>
+  <p:extLst>
+    <p:ext uri="{EFAFB233-063F-42B5-8137-9DF3F51BA10A}">
+      <p15:sldGuideLst xmlns:p15="http://schemas.microsoft.com/office/powerpoint/2012/main"/>
+    </p:ext>
+  </p:extLst>
 </p:presentation>
 </file>
 
@@ -277,7 +285,7 @@
           <a:p>
             <a:fld id="{48A87A34-81AB-432B-8DAE-1953F412C126}" type="datetimeFigureOut">
               <a:rPr lang="en-US" dirty="0"/>
-              <a:t>10/11/2016</a:t>
+              <a:t>10/12/2016</a:t>
             </a:fld>
             <a:endParaRPr lang="en-US" dirty="0"/>
           </a:p>
@@ -539,7 +547,7 @@
           <a:p>
             <a:fld id="{48A87A34-81AB-432B-8DAE-1953F412C126}" type="datetimeFigureOut">
               <a:rPr lang="en-US" dirty="0"/>
-              <a:t>10/11/2016</a:t>
+              <a:t>10/12/2016</a:t>
             </a:fld>
             <a:endParaRPr lang="en-US" dirty="0"/>
           </a:p>
@@ -766,7 +774,7 @@
             <a:fld id="{48A87A34-81AB-432B-8DAE-1953F412C126}" type="datetimeFigureOut">
               <a:rPr lang="en-US" dirty="0"/>
               <a:pPr/>
-              <a:t>10/11/2016</a:t>
+              <a:t>10/12/2016</a:t>
             </a:fld>
             <a:endParaRPr lang="en-US" dirty="0"/>
           </a:p>
@@ -1072,7 +1080,7 @@
             <a:fld id="{48A87A34-81AB-432B-8DAE-1953F412C126}" type="datetimeFigureOut">
               <a:rPr lang="en-US" dirty="0"/>
               <a:pPr/>
-              <a:t>10/11/2016</a:t>
+              <a:t>10/12/2016</a:t>
             </a:fld>
             <a:endParaRPr lang="en-US" dirty="0"/>
           </a:p>
@@ -1541,7 +1549,7 @@
             <a:fld id="{48A87A34-81AB-432B-8DAE-1953F412C126}" type="datetimeFigureOut">
               <a:rPr lang="en-US" dirty="0"/>
               <a:pPr/>
-              <a:t>10/11/2016</a:t>
+              <a:t>10/12/2016</a:t>
             </a:fld>
             <a:endParaRPr lang="en-US" dirty="0"/>
           </a:p>
@@ -2083,7 +2091,7 @@
           <a:p>
             <a:fld id="{48A87A34-81AB-432B-8DAE-1953F412C126}" type="datetimeFigureOut">
               <a:rPr lang="en-US" dirty="0"/>
-              <a:t>10/11/2016</a:t>
+              <a:t>10/12/2016</a:t>
             </a:fld>
             <a:endParaRPr lang="en-US" dirty="0"/>
           </a:p>
@@ -2852,7 +2860,7 @@
           <a:p>
             <a:fld id="{48A87A34-81AB-432B-8DAE-1953F412C126}" type="datetimeFigureOut">
               <a:rPr lang="en-US" dirty="0"/>
-              <a:t>10/11/2016</a:t>
+              <a:t>10/12/2016</a:t>
             </a:fld>
             <a:endParaRPr lang="en-US" dirty="0"/>
           </a:p>
@@ -3022,7 +3030,7 @@
           <a:p>
             <a:fld id="{48A87A34-81AB-432B-8DAE-1953F412C126}" type="datetimeFigureOut">
               <a:rPr lang="en-US" dirty="0"/>
-              <a:t>10/11/2016</a:t>
+              <a:t>10/12/2016</a:t>
             </a:fld>
             <a:endParaRPr lang="en-US" dirty="0"/>
           </a:p>
@@ -3241,7 +3249,7 @@
             <a:fld id="{48A87A34-81AB-432B-8DAE-1953F412C126}" type="datetimeFigureOut">
               <a:rPr lang="en-US" dirty="0"/>
               <a:pPr/>
-              <a:t>10/11/2016</a:t>
+              <a:t>10/12/2016</a:t>
             </a:fld>
             <a:endParaRPr lang="en-US" dirty="0"/>
           </a:p>
@@ -3416,7 +3424,7 @@
           <a:p>
             <a:fld id="{48A87A34-81AB-432B-8DAE-1953F412C126}" type="datetimeFigureOut">
               <a:rPr lang="en-US" dirty="0"/>
-              <a:t>10/11/2016</a:t>
+              <a:t>10/12/2016</a:t>
             </a:fld>
             <a:endParaRPr lang="en-US" dirty="0"/>
           </a:p>
@@ -3701,7 +3709,7 @@
             <a:fld id="{48A87A34-81AB-432B-8DAE-1953F412C126}" type="datetimeFigureOut">
               <a:rPr lang="en-US" dirty="0"/>
               <a:pPr/>
-              <a:t>10/11/2016</a:t>
+              <a:t>10/12/2016</a:t>
             </a:fld>
             <a:endParaRPr lang="en-US" dirty="0"/>
           </a:p>
@@ -3938,7 +3946,7 @@
           <a:p>
             <a:fld id="{48A87A34-81AB-432B-8DAE-1953F412C126}" type="datetimeFigureOut">
               <a:rPr lang="en-US" dirty="0"/>
-              <a:t>10/11/2016</a:t>
+              <a:t>10/12/2016</a:t>
             </a:fld>
             <a:endParaRPr lang="en-US" dirty="0"/>
           </a:p>
@@ -4312,7 +4320,7 @@
           <a:p>
             <a:fld id="{48A87A34-81AB-432B-8DAE-1953F412C126}" type="datetimeFigureOut">
               <a:rPr lang="en-US" dirty="0"/>
-              <a:t>10/11/2016</a:t>
+              <a:t>10/12/2016</a:t>
             </a:fld>
             <a:endParaRPr lang="en-US" dirty="0"/>
           </a:p>
@@ -4425,7 +4433,7 @@
           <a:p>
             <a:fld id="{48A87A34-81AB-432B-8DAE-1953F412C126}" type="datetimeFigureOut">
               <a:rPr lang="en-US" dirty="0"/>
-              <a:t>10/11/2016</a:t>
+              <a:t>10/12/2016</a:t>
             </a:fld>
             <a:endParaRPr lang="en-US" dirty="0"/>
           </a:p>
@@ -4515,7 +4523,7 @@
           <a:p>
             <a:fld id="{48A87A34-81AB-432B-8DAE-1953F412C126}" type="datetimeFigureOut">
               <a:rPr lang="en-US" dirty="0"/>
-              <a:t>10/11/2016</a:t>
+              <a:t>10/12/2016</a:t>
             </a:fld>
             <a:endParaRPr lang="en-US" dirty="0"/>
           </a:p>
@@ -4759,7 +4767,7 @@
           <a:p>
             <a:fld id="{48A87A34-81AB-432B-8DAE-1953F412C126}" type="datetimeFigureOut">
               <a:rPr lang="en-US" dirty="0"/>
-              <a:t>10/11/2016</a:t>
+              <a:t>10/12/2016</a:t>
             </a:fld>
             <a:endParaRPr lang="en-US" dirty="0"/>
           </a:p>
@@ -5011,7 +5019,7 @@
           <a:p>
             <a:fld id="{48A87A34-81AB-432B-8DAE-1953F412C126}" type="datetimeFigureOut">
               <a:rPr lang="en-US" dirty="0"/>
-              <a:t>10/11/2016</a:t>
+              <a:t>10/12/2016</a:t>
             </a:fld>
             <a:endParaRPr lang="en-US" dirty="0"/>
           </a:p>
@@ -5250,7 +5258,7 @@
             <a:fld id="{48A87A34-81AB-432B-8DAE-1953F412C126}" type="datetimeFigureOut">
               <a:rPr lang="en-US" dirty="0"/>
               <a:pPr/>
-              <a:t>10/11/2016</a:t>
+              <a:t>10/12/2016</a:t>
             </a:fld>
             <a:endParaRPr lang="en-US" dirty="0"/>
           </a:p>
@@ -5712,10 +5720,368 @@
           </a:ln>
         </p:spPr>
       </p:pic>
+      <p:sp>
+        <p:nvSpPr>
+          <p:cNvPr id="2" name="TextBox 1"/>
+          <p:cNvSpPr txBox="1"/>
+          <p:nvPr/>
+        </p:nvSpPr>
+        <p:spPr>
+          <a:xfrm>
+            <a:off x="653775" y="4660342"/>
+            <a:ext cx="10904908" cy="646331"/>
+          </a:xfrm>
+          <a:prstGeom prst="rect">
+            <a:avLst/>
+          </a:prstGeom>
+          <a:noFill/>
+        </p:spPr>
+        <p:txBody>
+          <a:bodyPr wrap="none" rtlCol="0">
+            <a:spAutoFit/>
+          </a:bodyPr>
+          <a:lstStyle/>
+          <a:p>
+            <a:r>
+              <a:rPr lang="en-US" sz="3600" dirty="0" smtClean="0">
+                <a:latin typeface="Cooper Black" panose="0208090404030B020404" pitchFamily="18" charset="0"/>
+              </a:rPr>
+              <a:t>The Nonlinear Dynamical Network Simulator</a:t>
+            </a:r>
+            <a:endParaRPr lang="en-US" sz="3600" dirty="0">
+              <a:latin typeface="Cooper Black" panose="0208090404030B020404" pitchFamily="18" charset="0"/>
+            </a:endParaRPr>
+          </a:p>
+        </p:txBody>
+      </p:sp>
+    </p:spTree>
+    <p:extLst>
+      <p:ext uri="{BB962C8B-B14F-4D97-AF65-F5344CB8AC3E}">
+        <p14:creationId xmlns:p14="http://schemas.microsoft.com/office/powerpoint/2010/main" val="162057669"/>
+      </p:ext>
+    </p:extLst>
+  </p:cSld>
+  <p:clrMapOvr>
+    <a:masterClrMapping/>
+  </p:clrMapOvr>
+  <p:timing>
+    <p:tnLst>
+      <p:par>
+        <p:cTn id="1" dur="indefinite" restart="never" nodeType="tmRoot"/>
+      </p:par>
+    </p:tnLst>
+  </p:timing>
+</p:sld>
+</file>
+
+<file path=ppt/slides/slide2.xml><?xml version="1.0" encoding="utf-8"?>
+<p:sld xmlns:a="http://schemas.openxmlformats.org/drawingml/2006/main" xmlns:r="http://schemas.openxmlformats.org/officeDocument/2006/relationships" xmlns:p="http://schemas.openxmlformats.org/presentationml/2006/main">
+  <p:cSld>
+    <p:spTree>
+      <p:nvGrpSpPr>
+        <p:cNvPr id="1" name=""/>
+        <p:cNvGrpSpPr/>
+        <p:nvPr/>
+      </p:nvGrpSpPr>
+      <p:grpSpPr>
+        <a:xfrm>
+          <a:off x="0" y="0"/>
+          <a:ext cx="0" cy="0"/>
+          <a:chOff x="0" y="0"/>
+          <a:chExt cx="0" cy="0"/>
+        </a:xfrm>
+      </p:grpSpPr>
+      <p:pic>
+        <p:nvPicPr>
+          <p:cNvPr id="5" name="Picture 4"/>
+          <p:cNvPicPr>
+            <a:picLocks noChangeAspect="1"/>
+          </p:cNvPicPr>
+          <p:nvPr/>
+        </p:nvPicPr>
+        <p:blipFill>
+          <a:blip r:embed="rId2"/>
+          <a:stretch>
+            <a:fillRect/>
+          </a:stretch>
+        </p:blipFill>
+        <p:spPr>
+          <a:xfrm>
+            <a:off x="576970" y="1522000"/>
+            <a:ext cx="11043530" cy="2691860"/>
+          </a:xfrm>
+          <a:prstGeom prst="rect">
+            <a:avLst/>
+          </a:prstGeom>
+          <a:ln w="381000" cmpd="thinThick">
+            <a:gradFill flip="none" rotWithShape="1">
+              <a:gsLst>
+                <a:gs pos="0">
+                  <a:schemeClr val="accent5">
+                    <a:lumMod val="89000"/>
+                  </a:schemeClr>
+                </a:gs>
+                <a:gs pos="23000">
+                  <a:schemeClr val="accent5">
+                    <a:lumMod val="89000"/>
+                  </a:schemeClr>
+                </a:gs>
+                <a:gs pos="69000">
+                  <a:schemeClr val="accent5">
+                    <a:lumMod val="75000"/>
+                  </a:schemeClr>
+                </a:gs>
+                <a:gs pos="97000">
+                  <a:schemeClr val="accent5">
+                    <a:lumMod val="70000"/>
+                  </a:schemeClr>
+                </a:gs>
+              </a:gsLst>
+              <a:path path="circle">
+                <a:fillToRect l="50000" t="50000" r="50000" b="50000"/>
+              </a:path>
+              <a:tileRect/>
+            </a:gradFill>
+            <a:round/>
+          </a:ln>
+        </p:spPr>
+      </p:pic>
     </p:spTree>
     <p:extLst>
       <p:ext uri="{BB962C8B-B14F-4D97-AF65-F5344CB8AC3E}">
         <p14:creationId xmlns:p14="http://schemas.microsoft.com/office/powerpoint/2010/main" val="1793890697"/>
+      </p:ext>
+    </p:extLst>
+  </p:cSld>
+  <p:clrMapOvr>
+    <a:masterClrMapping/>
+  </p:clrMapOvr>
+  <p:timing>
+    <p:tnLst>
+      <p:par>
+        <p:cTn id="1" dur="indefinite" restart="never" nodeType="tmRoot"/>
+      </p:par>
+    </p:tnLst>
+  </p:timing>
+</p:sld>
+</file>
+
+<file path=ppt/slides/slide3.xml><?xml version="1.0" encoding="utf-8"?>
+<p:sld xmlns:a="http://schemas.openxmlformats.org/drawingml/2006/main" xmlns:r="http://schemas.openxmlformats.org/officeDocument/2006/relationships" xmlns:p="http://schemas.openxmlformats.org/presentationml/2006/main" showMasterSp="0">
+  <p:cSld>
+    <p:spTree>
+      <p:nvGrpSpPr>
+        <p:cNvPr id="1" name=""/>
+        <p:cNvGrpSpPr/>
+        <p:nvPr/>
+      </p:nvGrpSpPr>
+      <p:grpSpPr>
+        <a:xfrm>
+          <a:off x="0" y="0"/>
+          <a:ext cx="0" cy="0"/>
+          <a:chOff x="0" y="0"/>
+          <a:chExt cx="0" cy="0"/>
+        </a:xfrm>
+      </p:grpSpPr>
+      <p:pic>
+        <p:nvPicPr>
+          <p:cNvPr id="5" name="Picture 4"/>
+          <p:cNvPicPr>
+            <a:picLocks noChangeAspect="1"/>
+          </p:cNvPicPr>
+          <p:nvPr/>
+        </p:nvPicPr>
+        <p:blipFill>
+          <a:blip r:embed="rId2"/>
+          <a:stretch>
+            <a:fillRect/>
+          </a:stretch>
+        </p:blipFill>
+        <p:spPr>
+          <a:xfrm>
+            <a:off x="576970" y="1522000"/>
+            <a:ext cx="11043530" cy="2691860"/>
+          </a:xfrm>
+          <a:prstGeom prst="rect">
+            <a:avLst/>
+          </a:prstGeom>
+          <a:ln w="381000" cmpd="thinThick">
+            <a:gradFill flip="none" rotWithShape="1">
+              <a:gsLst>
+                <a:gs pos="0">
+                  <a:schemeClr val="accent5">
+                    <a:lumMod val="89000"/>
+                  </a:schemeClr>
+                </a:gs>
+                <a:gs pos="23000">
+                  <a:schemeClr val="accent5">
+                    <a:lumMod val="89000"/>
+                  </a:schemeClr>
+                </a:gs>
+                <a:gs pos="69000">
+                  <a:schemeClr val="accent5">
+                    <a:lumMod val="75000"/>
+                  </a:schemeClr>
+                </a:gs>
+                <a:gs pos="97000">
+                  <a:schemeClr val="accent5">
+                    <a:lumMod val="70000"/>
+                  </a:schemeClr>
+                </a:gs>
+              </a:gsLst>
+              <a:path path="circle">
+                <a:fillToRect l="50000" t="50000" r="50000" b="50000"/>
+              </a:path>
+              <a:tileRect/>
+            </a:gradFill>
+            <a:round/>
+          </a:ln>
+        </p:spPr>
+      </p:pic>
+    </p:spTree>
+    <p:extLst>
+      <p:ext uri="{BB962C8B-B14F-4D97-AF65-F5344CB8AC3E}">
+        <p14:creationId xmlns:p14="http://schemas.microsoft.com/office/powerpoint/2010/main" val="958075744"/>
+      </p:ext>
+    </p:extLst>
+  </p:cSld>
+  <p:clrMapOvr>
+    <a:masterClrMapping/>
+  </p:clrMapOvr>
+  <p:timing>
+    <p:tnLst>
+      <p:par>
+        <p:cTn id="1" dur="indefinite" restart="never" nodeType="tmRoot"/>
+      </p:par>
+    </p:tnLst>
+  </p:timing>
+</p:sld>
+</file>
+
+<file path=ppt/slides/slide4.xml><?xml version="1.0" encoding="utf-8"?>
+<p:sld xmlns:a="http://schemas.openxmlformats.org/drawingml/2006/main" xmlns:r="http://schemas.openxmlformats.org/officeDocument/2006/relationships" xmlns:p="http://schemas.openxmlformats.org/presentationml/2006/main">
+  <p:cSld>
+    <p:spTree>
+      <p:nvGrpSpPr>
+        <p:cNvPr id="1" name=""/>
+        <p:cNvGrpSpPr/>
+        <p:nvPr/>
+      </p:nvGrpSpPr>
+      <p:grpSpPr>
+        <a:xfrm>
+          <a:off x="0" y="0"/>
+          <a:ext cx="0" cy="0"/>
+          <a:chOff x="0" y="0"/>
+          <a:chExt cx="0" cy="0"/>
+        </a:xfrm>
+      </p:grpSpPr>
+      <p:pic>
+        <p:nvPicPr>
+          <p:cNvPr id="5" name="Picture 4"/>
+          <p:cNvPicPr>
+            <a:picLocks noChangeAspect="1"/>
+          </p:cNvPicPr>
+          <p:nvPr/>
+        </p:nvPicPr>
+        <p:blipFill>
+          <a:blip r:embed="rId2"/>
+          <a:stretch>
+            <a:fillRect/>
+          </a:stretch>
+        </p:blipFill>
+        <p:spPr>
+          <a:xfrm>
+            <a:off x="576970" y="1522000"/>
+            <a:ext cx="11043530" cy="2691860"/>
+          </a:xfrm>
+          <a:prstGeom prst="rect">
+            <a:avLst/>
+          </a:prstGeom>
+          <a:ln w="381000" cmpd="thinThick">
+            <a:gradFill flip="none" rotWithShape="1">
+              <a:gsLst>
+                <a:gs pos="0">
+                  <a:schemeClr val="accent5">
+                    <a:lumMod val="89000"/>
+                  </a:schemeClr>
+                </a:gs>
+                <a:gs pos="23000">
+                  <a:schemeClr val="accent5">
+                    <a:lumMod val="89000"/>
+                  </a:schemeClr>
+                </a:gs>
+                <a:gs pos="69000">
+                  <a:schemeClr val="accent5">
+                    <a:lumMod val="75000"/>
+                  </a:schemeClr>
+                </a:gs>
+                <a:gs pos="97000">
+                  <a:schemeClr val="accent5">
+                    <a:lumMod val="70000"/>
+                  </a:schemeClr>
+                </a:gs>
+              </a:gsLst>
+              <a:path path="circle">
+                <a:fillToRect l="50000" t="50000" r="50000" b="50000"/>
+              </a:path>
+              <a:tileRect/>
+            </a:gradFill>
+            <a:round/>
+          </a:ln>
+        </p:spPr>
+      </p:pic>
+      <p:sp>
+        <p:nvSpPr>
+          <p:cNvPr id="2" name="Rectangle 1"/>
+          <p:cNvSpPr/>
+          <p:nvPr/>
+        </p:nvSpPr>
+        <p:spPr>
+          <a:xfrm>
+            <a:off x="0" y="0"/>
+            <a:ext cx="12192000" cy="6858000"/>
+          </a:xfrm>
+          <a:prstGeom prst="rect">
+            <a:avLst/>
+          </a:prstGeom>
+          <a:solidFill>
+            <a:schemeClr val="tx1">
+              <a:alpha val="80000"/>
+            </a:schemeClr>
+          </a:solidFill>
+          <a:ln>
+            <a:noFill/>
+          </a:ln>
+        </p:spPr>
+        <p:style>
+          <a:lnRef idx="2">
+            <a:schemeClr val="accent1">
+              <a:shade val="50000"/>
+            </a:schemeClr>
+          </a:lnRef>
+          <a:fillRef idx="1">
+            <a:schemeClr val="accent1"/>
+          </a:fillRef>
+          <a:effectRef idx="0">
+            <a:schemeClr val="accent1"/>
+          </a:effectRef>
+          <a:fontRef idx="minor">
+            <a:schemeClr val="lt1"/>
+          </a:fontRef>
+        </p:style>
+        <p:txBody>
+          <a:bodyPr rtlCol="0" anchor="ctr"/>
+          <a:lstStyle/>
+          <a:p>
+            <a:pPr algn="ctr"/>
+            <a:endParaRPr lang="en-US"/>
+          </a:p>
+        </p:txBody>
+      </p:sp>
+    </p:spTree>
+    <p:extLst>
+      <p:ext uri="{BB962C8B-B14F-4D97-AF65-F5344CB8AC3E}">
+        <p14:creationId xmlns:p14="http://schemas.microsoft.com/office/powerpoint/2010/main" val="3937750955"/>
       </p:ext>
     </p:extLst>
   </p:cSld>
